--- a/assets/lectures/cshl/2020/mini/RNASeq_MiniLecture_04_01_AlignmentFreeKallisto.pptx
+++ b/assets/lectures/cshl/2020/mini/RNASeq_MiniLecture_04_01_AlignmentFreeKallisto.pptx
@@ -1067,14 +1067,14 @@
           </a:ln>
           <a:extLst>
             <a:ext uri="{909E8E84-426E-40dd-AFC4-6F175D3DCCD1}">
-              <a14:hiddenFill xmlns="" xmlns:a14="http://schemas.microsoft.com/office/drawing/2010/main">
+              <a14:hiddenFill xmlns:a14="http://schemas.microsoft.com/office/drawing/2010/main" xmlns="">
                 <a:solidFill>
                   <a:srgbClr val="FFFFFF"/>
                 </a:solidFill>
               </a14:hiddenFill>
             </a:ext>
             <a:ext uri="{91240B29-F687-4f45-9708-019B960494DF}">
-              <a14:hiddenLine xmlns="" xmlns:a14="http://schemas.microsoft.com/office/drawing/2010/main" w="9525">
+              <a14:hiddenLine xmlns:a14="http://schemas.microsoft.com/office/drawing/2010/main" xmlns="" w="9525">
                 <a:solidFill>
                   <a:srgbClr val="000000"/>
                 </a:solidFill>
@@ -1569,14 +1569,14 @@
           </a:ln>
           <a:extLst>
             <a:ext uri="{909E8E84-426E-40dd-AFC4-6F175D3DCCD1}">
-              <a14:hiddenFill xmlns="" xmlns:a14="http://schemas.microsoft.com/office/drawing/2010/main">
+              <a14:hiddenFill xmlns:a14="http://schemas.microsoft.com/office/drawing/2010/main" xmlns="">
                 <a:solidFill>
                   <a:srgbClr val="FFFFFF"/>
                 </a:solidFill>
               </a14:hiddenFill>
             </a:ext>
             <a:ext uri="{91240B29-F687-4f45-9708-019B960494DF}">
-              <a14:hiddenLine xmlns="" xmlns:a14="http://schemas.microsoft.com/office/drawing/2010/main" w="9525">
+              <a14:hiddenLine xmlns:a14="http://schemas.microsoft.com/office/drawing/2010/main" xmlns="" w="9525">
                 <a:solidFill>
                   <a:srgbClr val="000000"/>
                 </a:solidFill>
@@ -3294,14 +3294,14 @@
           </a:ln>
           <a:extLst>
             <a:ext uri="{909E8E84-426E-40dd-AFC4-6F175D3DCCD1}">
-              <a14:hiddenFill xmlns="" xmlns:a14="http://schemas.microsoft.com/office/drawing/2010/main">
+              <a14:hiddenFill xmlns:a14="http://schemas.microsoft.com/office/drawing/2010/main" xmlns="">
                 <a:solidFill>
                   <a:srgbClr val="FFFFFF"/>
                 </a:solidFill>
               </a14:hiddenFill>
             </a:ext>
             <a:ext uri="{91240B29-F687-4f45-9708-019B960494DF}">
-              <a14:hiddenLine xmlns="" xmlns:a14="http://schemas.microsoft.com/office/drawing/2010/main" w="9525">
+              <a14:hiddenLine xmlns:a14="http://schemas.microsoft.com/office/drawing/2010/main" xmlns="" w="9525">
                 <a:solidFill>
                   <a:srgbClr val="000000"/>
                 </a:solidFill>
@@ -4075,114 +4075,6 @@
       </p:sp>
       <p:sp>
         <p:nvSpPr>
-          <p:cNvPr id="10" name="Title 1">
-            <a:extLst>
-              <a:ext uri="{FF2B5EF4-FFF2-40B4-BE49-F238E27FC236}">
-                <a16:creationId xmlns:a16="http://schemas.microsoft.com/office/drawing/2014/main" id="{E6F379E6-F5E5-8844-AF8B-F2F8759CBC29}"/>
-              </a:ext>
-            </a:extLst>
-          </p:cNvPr>
-          <p:cNvSpPr txBox="1">
-            <a:spLocks/>
-          </p:cNvSpPr>
-          <p:nvPr/>
-        </p:nvSpPr>
-        <p:spPr>
-          <a:xfrm>
-            <a:off x="5879976" y="1219199"/>
-            <a:ext cx="6235824" cy="1161346"/>
-          </a:xfrm>
-          <a:prstGeom prst="rect">
-            <a:avLst/>
-          </a:prstGeom>
-        </p:spPr>
-        <p:txBody>
-          <a:bodyPr anchor="ctr"/>
-          <a:lstStyle>
-            <a:lvl1pPr algn="r">
-              <a:defRPr sz="3200" baseline="0">
-                <a:solidFill>
-                  <a:schemeClr val="bg1"/>
-                </a:solidFill>
-                <a:latin typeface="Adobe Jenson Pro" pitchFamily="18" charset="0"/>
-              </a:defRPr>
-            </a:lvl1pPr>
-          </a:lstStyle>
-          <a:p>
-            <a:pPr>
-              <a:defRPr/>
-            </a:pPr>
-            <a:r>
-              <a:rPr lang="en-US" sz="1800" dirty="0">
-                <a:latin typeface="Calibri"/>
-                <a:cs typeface="Calibri"/>
-              </a:rPr>
-              <a:t>Kelsy Cotto, Felicia Gomez, Obi Griffith, Malachi Griffith, </a:t>
-            </a:r>
-          </a:p>
-          <a:p>
-            <a:pPr>
-              <a:defRPr/>
-            </a:pPr>
-            <a:r>
-              <a:rPr lang="en-US" sz="1800" dirty="0">
-                <a:latin typeface="Calibri"/>
-                <a:cs typeface="Calibri"/>
-              </a:rPr>
-              <a:t>Allegra Petti, Megan </a:t>
-            </a:r>
-            <a:r>
-              <a:rPr lang="en-US" sz="1800" dirty="0" err="1">
-                <a:latin typeface="Calibri"/>
-                <a:cs typeface="Calibri"/>
-              </a:rPr>
-              <a:t>Richters</a:t>
-            </a:r>
-            <a:r>
-              <a:rPr lang="en-US" sz="1800" dirty="0">
-                <a:latin typeface="Calibri"/>
-                <a:cs typeface="Calibri"/>
-              </a:rPr>
-              <a:t>, Huiming Xia</a:t>
-            </a:r>
-          </a:p>
-          <a:p>
-            <a:pPr>
-              <a:defRPr/>
-            </a:pPr>
-            <a:r>
-              <a:rPr lang="en-US" sz="1800" dirty="0">
-                <a:ln w="1270">
-                  <a:solidFill>
-                    <a:schemeClr val="tx1">
-                      <a:alpha val="38000"/>
-                    </a:schemeClr>
-                  </a:solidFill>
-                </a:ln>
-                <a:latin typeface="Calibri"/>
-                <a:cs typeface="Calibri"/>
-              </a:rPr>
-              <a:t>Advanced Sequencing Technologies &amp; Bioinformatics Analysis </a:t>
-            </a:r>
-            <a:r>
-              <a:rPr lang="en-US" sz="1600" dirty="0">
-                <a:ln w="1270">
-                  <a:solidFill>
-                    <a:schemeClr val="tx1">
-                      <a:alpha val="38000"/>
-                    </a:schemeClr>
-                  </a:solidFill>
-                </a:ln>
-                <a:latin typeface="Calibri"/>
-                <a:cs typeface="Calibri"/>
-              </a:rPr>
-              <a:t>November 16-20, 2020</a:t>
-            </a:r>
-          </a:p>
-        </p:txBody>
-      </p:sp>
-      <p:sp>
-        <p:nvSpPr>
           <p:cNvPr id="9" name="Rectangle 8">
             <a:extLst>
               <a:ext uri="{FF2B5EF4-FFF2-40B4-BE49-F238E27FC236}">
@@ -4313,14 +4205,14 @@
           </a:ln>
           <a:extLst>
             <a:ext uri="{909E8E84-426E-40dd-AFC4-6F175D3DCCD1}">
-              <a14:hiddenFill xmlns="" xmlns:a14="http://schemas.microsoft.com/office/drawing/2010/main">
+              <a14:hiddenFill xmlns:a14="http://schemas.microsoft.com/office/drawing/2010/main" xmlns="">
                 <a:solidFill>
                   <a:srgbClr val="FFFFFF"/>
                 </a:solidFill>
               </a14:hiddenFill>
             </a:ext>
             <a:ext uri="{91240B29-F687-4f45-9708-019B960494DF}">
-              <a14:hiddenLine xmlns="" xmlns:a14="http://schemas.microsoft.com/office/drawing/2010/main" w="9525">
+              <a14:hiddenLine xmlns:a14="http://schemas.microsoft.com/office/drawing/2010/main" xmlns="" w="9525">
                 <a:solidFill>
                   <a:srgbClr val="000000"/>
                 </a:solidFill>
@@ -4368,6 +4260,128 @@
           </a:prstGeom>
         </p:spPr>
       </p:pic>
+      <p:sp>
+        <p:nvSpPr>
+          <p:cNvPr id="8" name="Title 1">
+            <a:extLst>
+              <a:ext uri="{FF2B5EF4-FFF2-40B4-BE49-F238E27FC236}">
+                <a16:creationId xmlns:a16="http://schemas.microsoft.com/office/drawing/2014/main" id="{38063BD1-06BF-D240-A81E-A7C97FD9EBFD}"/>
+              </a:ext>
+            </a:extLst>
+          </p:cNvPr>
+          <p:cNvSpPr txBox="1">
+            <a:spLocks/>
+          </p:cNvSpPr>
+          <p:nvPr/>
+        </p:nvSpPr>
+        <p:spPr>
+          <a:xfrm>
+            <a:off x="3647728" y="1219199"/>
+            <a:ext cx="8468072" cy="1161346"/>
+          </a:xfrm>
+          <a:prstGeom prst="rect">
+            <a:avLst/>
+          </a:prstGeom>
+        </p:spPr>
+        <p:txBody>
+          <a:bodyPr anchor="ctr"/>
+          <a:lstStyle>
+            <a:lvl1pPr algn="r">
+              <a:defRPr sz="3200" baseline="0">
+                <a:solidFill>
+                  <a:schemeClr val="bg1"/>
+                </a:solidFill>
+                <a:latin typeface="Adobe Jenson Pro" pitchFamily="18" charset="0"/>
+              </a:defRPr>
+            </a:lvl1pPr>
+          </a:lstStyle>
+          <a:p>
+            <a:pPr>
+              <a:defRPr/>
+            </a:pPr>
+            <a:r>
+              <a:rPr lang="en-US" sz="1800" dirty="0">
+                <a:latin typeface="Calibri"/>
+                <a:cs typeface="Calibri"/>
+              </a:rPr>
+              <a:t>John Chamberlin, </a:t>
+            </a:r>
+            <a:r>
+              <a:rPr lang="en-US" sz="1800" dirty="0" err="1">
+                <a:latin typeface="Calibri"/>
+                <a:cs typeface="Calibri"/>
+              </a:rPr>
+              <a:t>Kelsy</a:t>
+            </a:r>
+            <a:r>
+              <a:rPr lang="en-US" sz="1800" dirty="0">
+                <a:latin typeface="Calibri"/>
+                <a:cs typeface="Calibri"/>
+              </a:rPr>
+              <a:t> Cotto, Felicia Gomez, Obi Griffith, Malachi Griffith, </a:t>
+            </a:r>
+          </a:p>
+          <a:p>
+            <a:pPr>
+              <a:defRPr/>
+            </a:pPr>
+            <a:r>
+              <a:rPr lang="en-US" sz="1800" dirty="0">
+                <a:latin typeface="Calibri"/>
+                <a:cs typeface="Calibri"/>
+              </a:rPr>
+              <a:t>Simone Longo, Allegra Petti, Aaron Quinlan, Megan </a:t>
+            </a:r>
+            <a:r>
+              <a:rPr lang="en-US" sz="1800" dirty="0" err="1">
+                <a:latin typeface="Calibri"/>
+                <a:cs typeface="Calibri"/>
+              </a:rPr>
+              <a:t>Richters</a:t>
+            </a:r>
+            <a:r>
+              <a:rPr lang="en-US" sz="1800" dirty="0">
+                <a:latin typeface="Calibri"/>
+                <a:cs typeface="Calibri"/>
+              </a:rPr>
+              <a:t>, Huiming Xia</a:t>
+            </a:r>
+          </a:p>
+          <a:p>
+            <a:pPr>
+              <a:defRPr/>
+            </a:pPr>
+            <a:r>
+              <a:rPr lang="en-US" sz="1800" dirty="0">
+                <a:ln w="1270">
+                  <a:solidFill>
+                    <a:schemeClr val="tx1">
+                      <a:alpha val="38000"/>
+                    </a:schemeClr>
+                  </a:solidFill>
+                </a:ln>
+                <a:latin typeface="Calibri"/>
+                <a:cs typeface="Calibri"/>
+              </a:rPr>
+              <a:t>Advanced Sequencing Technologies &amp; Bioinformatics Analysis </a:t>
+            </a:r>
+            <a:r>
+              <a:rPr lang="en-US" sz="1600" dirty="0">
+                <a:ln w="1270">
+                  <a:solidFill>
+                    <a:schemeClr val="tx1">
+                      <a:alpha val="38000"/>
+                    </a:schemeClr>
+                  </a:solidFill>
+                </a:ln>
+                <a:latin typeface="Calibri"/>
+                <a:cs typeface="Calibri"/>
+              </a:rPr>
+              <a:t>November 16-20, 2020</a:t>
+            </a:r>
+          </a:p>
+        </p:txBody>
+      </p:sp>
     </p:spTree>
     <p:extLst>
       <p:ext uri="{BB962C8B-B14F-4D97-AF65-F5344CB8AC3E}">
